--- a/CPSC-24700/Presentations/session-06.pptx
+++ b/CPSC-24700/Presentations/session-06.pptx
@@ -4866,15 +4866,7 @@
           <a:p>
             <a:r>
               <a:rPr lang="en-US" sz="3600" dirty="0"/>
-              <a:t>Pre-</a:t>
-            </a:r>
-            <a:r>
-              <a:rPr lang="en-US" sz="3600" dirty="0" err="1"/>
-              <a:t>LabWrap</a:t>
-            </a:r>
-            <a:r>
-              <a:rPr lang="en-US" sz="3600" dirty="0"/>
-              <a:t>-up</a:t>
+              <a:t>Pre-Lab Wrap-up</a:t>
             </a:r>
           </a:p>
         </p:txBody>
@@ -5007,13 +4999,8 @@
           <a:p>
             <a:r>
               <a:rPr lang="en-US" sz="4800" dirty="0"/>
-              <a:t>Week 3 Lab: Course </a:t>
-            </a:r>
-            <a:r>
-              <a:rPr lang="en-US" sz="4800" dirty="0" err="1"/>
-              <a:t>Scedule</a:t>
-            </a:r>
-            <a:endParaRPr lang="en-US" sz="4800" dirty="0"/>
+              <a:t>Week 3 Lab: Course Schedule</a:t>
+            </a:r>
           </a:p>
         </p:txBody>
       </p:sp>
